--- a/DIS2021_pictorial.pptx
+++ b/DIS2021_pictorial.pptx
@@ -5,19 +5,20 @@
     <p:sldMasterId id="2147483672" r:id="rId1"/>
   </p:sldMasterIdLst>
   <p:notesMasterIdLst>
-    <p:notesMasterId r:id="rId9"/>
+    <p:notesMasterId r:id="rId10"/>
   </p:notesMasterIdLst>
   <p:handoutMasterIdLst>
-    <p:handoutMasterId r:id="rId10"/>
+    <p:handoutMasterId r:id="rId11"/>
   </p:handoutMasterIdLst>
   <p:sldIdLst>
     <p:sldId id="266" r:id="rId2"/>
     <p:sldId id="257" r:id="rId3"/>
-    <p:sldId id="263" r:id="rId4"/>
-    <p:sldId id="264" r:id="rId5"/>
-    <p:sldId id="265" r:id="rId6"/>
-    <p:sldId id="261" r:id="rId7"/>
-    <p:sldId id="262" r:id="rId8"/>
+    <p:sldId id="267" r:id="rId4"/>
+    <p:sldId id="263" r:id="rId5"/>
+    <p:sldId id="264" r:id="rId6"/>
+    <p:sldId id="265" r:id="rId7"/>
+    <p:sldId id="261" r:id="rId8"/>
+    <p:sldId id="262" r:id="rId9"/>
   </p:sldIdLst>
   <p:sldSz cx="10058400" cy="7772400"/>
   <p:notesSz cx="6858000" cy="9144000"/>
@@ -1040,6 +1041,130 @@
     </p:spTree>
     <p:extLst>
       <p:ext uri="{BB962C8B-B14F-4D97-AF65-F5344CB8AC3E}">
+        <p14:creationId xmlns:p14="http://schemas.microsoft.com/office/powerpoint/2010/main" val="4067654013"/>
+      </p:ext>
+    </p:extLst>
+  </p:cSld>
+  <p:clrMapOvr>
+    <a:masterClrMapping/>
+  </p:clrMapOvr>
+</p:notes>
+</file>
+
+<file path=ppt/notesSlides/notesSlide4.xml><?xml version="1.0" encoding="utf-8"?>
+<p:notes xmlns:a="http://schemas.openxmlformats.org/drawingml/2006/main" xmlns:r="http://schemas.openxmlformats.org/officeDocument/2006/relationships" xmlns:p="http://schemas.openxmlformats.org/presentationml/2006/main">
+  <p:cSld>
+    <p:spTree>
+      <p:nvGrpSpPr>
+        <p:cNvPr id="1" name=""/>
+        <p:cNvGrpSpPr/>
+        <p:nvPr/>
+      </p:nvGrpSpPr>
+      <p:grpSpPr>
+        <a:xfrm>
+          <a:off x="0" y="0"/>
+          <a:ext cx="0" cy="0"/>
+          <a:chOff x="0" y="0"/>
+          <a:chExt cx="0" cy="0"/>
+        </a:xfrm>
+      </p:grpSpPr>
+      <p:sp>
+        <p:nvSpPr>
+          <p:cNvPr id="2" name="Slide Image Placeholder 1"/>
+          <p:cNvSpPr>
+            <a:spLocks noGrp="1" noRot="1" noChangeAspect="1"/>
+          </p:cNvSpPr>
+          <p:nvPr>
+            <p:ph type="sldImg"/>
+          </p:nvPr>
+        </p:nvSpPr>
+        <p:spPr/>
+      </p:sp>
+      <p:sp>
+        <p:nvSpPr>
+          <p:cNvPr id="3" name="Notes Placeholder 2"/>
+          <p:cNvSpPr>
+            <a:spLocks noGrp="1"/>
+          </p:cNvSpPr>
+          <p:nvPr>
+            <p:ph type="body" idx="1"/>
+          </p:nvPr>
+        </p:nvSpPr>
+        <p:spPr/>
+        <p:txBody>
+          <a:bodyPr/>
+          <a:lstStyle/>
+          <a:p>
+            <a:endParaRPr lang="sv-SE" dirty="0"/>
+          </a:p>
+        </p:txBody>
+      </p:sp>
+      <p:sp>
+        <p:nvSpPr>
+          <p:cNvPr id="4" name="Header Placeholder 3"/>
+          <p:cNvSpPr>
+            <a:spLocks noGrp="1"/>
+          </p:cNvSpPr>
+          <p:nvPr>
+            <p:ph type="hdr" sz="quarter"/>
+          </p:nvPr>
+        </p:nvSpPr>
+        <p:spPr/>
+        <p:txBody>
+          <a:bodyPr/>
+          <a:lstStyle/>
+          <a:p>
+            <a:r>
+              <a:rPr lang="en-US"/>
+              <a:t>Session Title</a:t>
+            </a:r>
+          </a:p>
+        </p:txBody>
+      </p:sp>
+      <p:sp>
+        <p:nvSpPr>
+          <p:cNvPr id="5" name="Date Placeholder 4"/>
+          <p:cNvSpPr>
+            <a:spLocks noGrp="1"/>
+          </p:cNvSpPr>
+          <p:nvPr>
+            <p:ph type="dt" idx="1"/>
+          </p:nvPr>
+        </p:nvSpPr>
+        <p:spPr/>
+        <p:txBody>
+          <a:bodyPr/>
+          <a:lstStyle/>
+          <a:p>
+            <a:r>
+              <a:rPr lang="en-US"/>
+              <a:t>DIS’20: July 6–10, 2020, Eindhoven, Netherlands</a:t>
+            </a:r>
+          </a:p>
+        </p:txBody>
+      </p:sp>
+      <p:sp>
+        <p:nvSpPr>
+          <p:cNvPr id="6" name="Footer Placeholder 5"/>
+          <p:cNvSpPr>
+            <a:spLocks noGrp="1"/>
+          </p:cNvSpPr>
+          <p:nvPr>
+            <p:ph type="ftr" sz="quarter" idx="4"/>
+          </p:nvPr>
+        </p:nvSpPr>
+        <p:spPr/>
+        <p:txBody>
+          <a:bodyPr/>
+          <a:lstStyle/>
+          <a:p>
+            <a:endParaRPr lang="en-US"/>
+          </a:p>
+        </p:txBody>
+      </p:sp>
+    </p:spTree>
+    <p:extLst>
+      <p:ext uri="{BB962C8B-B14F-4D97-AF65-F5344CB8AC3E}">
         <p14:creationId xmlns:p14="http://schemas.microsoft.com/office/powerpoint/2010/main" val="2387107149"/>
       </p:ext>
     </p:extLst>
@@ -1050,7 +1175,7 @@
 </p:notes>
 </file>
 
-<file path=ppt/notesSlides/notesSlide4.xml><?xml version="1.0" encoding="utf-8"?>
+<file path=ppt/notesSlides/notesSlide5.xml><?xml version="1.0" encoding="utf-8"?>
 <p:notes xmlns:a="http://schemas.openxmlformats.org/drawingml/2006/main" xmlns:r="http://schemas.openxmlformats.org/officeDocument/2006/relationships" xmlns:p="http://schemas.openxmlformats.org/presentationml/2006/main">
   <p:cSld>
     <p:spTree>
@@ -1179,7 +1304,7 @@
 </p:notes>
 </file>
 
-<file path=ppt/notesSlides/notesSlide5.xml><?xml version="1.0" encoding="utf-8"?>
+<file path=ppt/notesSlides/notesSlide6.xml><?xml version="1.0" encoding="utf-8"?>
 <p:notes xmlns:a="http://schemas.openxmlformats.org/drawingml/2006/main" xmlns:r="http://schemas.openxmlformats.org/officeDocument/2006/relationships" xmlns:p="http://schemas.openxmlformats.org/presentationml/2006/main">
   <p:cSld>
     <p:spTree>
@@ -4880,8 +5005,353 @@
         </p:nvSpPr>
         <p:spPr>
           <a:xfrm>
+            <a:off x="683287" y="1145511"/>
+            <a:ext cx="8782259" cy="5631029"/>
+          </a:xfrm>
+          <a:prstGeom prst="rect">
+            <a:avLst/>
+          </a:prstGeom>
+          <a:noFill/>
+        </p:spPr>
+        <p:txBody>
+          <a:bodyPr wrap="square" numCol="1" rtlCol="0">
+            <a:spAutoFit/>
+          </a:bodyPr>
+          <a:lstStyle/>
+          <a:p>
+            <a:r>
+              <a:rPr lang="en-US" dirty="0"/>
+              <a:t>Motivation</a:t>
+            </a:r>
+          </a:p>
+          <a:p>
+            <a:pPr marL="171450" indent="-171450">
+              <a:buFont typeface="Arial" panose="020B0604020202020204" pitchFamily="34" charset="0"/>
+              <a:buChar char="•"/>
+            </a:pPr>
+            <a:r>
+              <a:rPr lang="en-US" sz="1200" dirty="0"/>
+              <a:t>Developmental research with children is increasingly trying to move online</a:t>
+            </a:r>
+          </a:p>
+          <a:p>
+            <a:pPr marL="171450" indent="-171450">
+              <a:buFont typeface="Arial" panose="020B0604020202020204" pitchFamily="34" charset="0"/>
+              <a:buChar char="•"/>
+            </a:pPr>
+            <a:r>
+              <a:rPr lang="en-US" sz="1200" dirty="0"/>
+              <a:t>Online research useful to get more heterogenous population</a:t>
+            </a:r>
+          </a:p>
+          <a:p>
+            <a:pPr marL="171450" indent="-171450">
+              <a:buFont typeface="Arial" panose="020B0604020202020204" pitchFamily="34" charset="0"/>
+              <a:buChar char="•"/>
+            </a:pPr>
+            <a:r>
+              <a:rPr lang="en-US" sz="1200" dirty="0"/>
+              <a:t>Designing interactive systems for research with children is challenging, need proper scaffolding</a:t>
+            </a:r>
+          </a:p>
+          <a:p>
+            <a:pPr marL="171450" indent="-171450">
+              <a:buFont typeface="Arial" panose="020B0604020202020204" pitchFamily="34" charset="0"/>
+              <a:buChar char="•"/>
+            </a:pPr>
+            <a:r>
+              <a:rPr lang="en-US" sz="1200" dirty="0"/>
+              <a:t>How to design interactive tasks for children</a:t>
+            </a:r>
+          </a:p>
+          <a:p>
+            <a:pPr marL="171450" indent="-171450">
+              <a:buFont typeface="Arial" panose="020B0604020202020204" pitchFamily="34" charset="0"/>
+              <a:buChar char="•"/>
+            </a:pPr>
+            <a:r>
+              <a:rPr lang="en-US" sz="1200" dirty="0"/>
+              <a:t>Benefit of Wizard-of-Oz, synchronous communication with children while also getting their insights on the task, low-stakes development</a:t>
+            </a:r>
+          </a:p>
+          <a:p>
+            <a:endParaRPr lang="en-US" dirty="0"/>
+          </a:p>
+          <a:p>
+            <a:endParaRPr lang="en-US" dirty="0"/>
+          </a:p>
+          <a:p>
+            <a:endParaRPr lang="en-US" dirty="0"/>
+          </a:p>
+          <a:p>
+            <a:endParaRPr lang="en-US" dirty="0"/>
+          </a:p>
+          <a:p>
+            <a:endParaRPr lang="en-US" dirty="0"/>
+          </a:p>
+          <a:p>
+            <a:endParaRPr lang="en-US" dirty="0"/>
+          </a:p>
+          <a:p>
+            <a:r>
+              <a:rPr lang="en-US" dirty="0"/>
+              <a:t>Design Guidelines</a:t>
+            </a:r>
+          </a:p>
+          <a:p>
+            <a:pPr marL="171450" indent="-171450">
+              <a:buFont typeface="Arial" panose="020B0604020202020204" pitchFamily="34" charset="0"/>
+              <a:buChar char="•"/>
+            </a:pPr>
+            <a:r>
+              <a:rPr lang="en-US" sz="1200" dirty="0"/>
+              <a:t>Preschool-aged children may not be able to read</a:t>
+            </a:r>
+          </a:p>
+          <a:p>
+            <a:pPr marL="171450" indent="-171450">
+              <a:buFont typeface="Arial" panose="020B0604020202020204" pitchFamily="34" charset="0"/>
+              <a:buChar char="•"/>
+            </a:pPr>
+            <a:r>
+              <a:rPr lang="en-US" sz="1200" dirty="0"/>
+              <a:t>Children may not know directions or numbers</a:t>
+            </a:r>
+          </a:p>
+          <a:p>
+            <a:pPr marL="171450" indent="-171450">
+              <a:buFont typeface="Arial" panose="020B0604020202020204" pitchFamily="34" charset="0"/>
+              <a:buChar char="•"/>
+            </a:pPr>
+            <a:r>
+              <a:rPr lang="en-US" sz="1200" dirty="0"/>
+              <a:t>Children cannot interact with complex shapes</a:t>
+            </a:r>
+          </a:p>
+          <a:p>
+            <a:pPr marL="171450" indent="-171450">
+              <a:buFont typeface="Arial" panose="020B0604020202020204" pitchFamily="34" charset="0"/>
+              <a:buChar char="•"/>
+            </a:pPr>
+            <a:r>
+              <a:rPr lang="en-US" sz="1200" dirty="0"/>
+              <a:t>Children need to know what to pay attention to</a:t>
+            </a:r>
+          </a:p>
+          <a:p>
+            <a:pPr marL="171450" indent="-171450">
+              <a:buFont typeface="Arial" panose="020B0604020202020204" pitchFamily="34" charset="0"/>
+              <a:buChar char="•"/>
+            </a:pPr>
+            <a:endParaRPr lang="en-US" sz="1200" dirty="0"/>
+          </a:p>
+          <a:p>
+            <a:r>
+              <a:rPr lang="en-US" dirty="0"/>
+              <a:t>Prototype Features</a:t>
+            </a:r>
+          </a:p>
+          <a:p>
+            <a:pPr marL="171450" indent="-171450">
+              <a:buFont typeface="Arial" panose="020B0604020202020204" pitchFamily="34" charset="0"/>
+              <a:buChar char="•"/>
+            </a:pPr>
+            <a:r>
+              <a:rPr lang="en-US" sz="1200" dirty="0"/>
+              <a:t>Training slides</a:t>
+            </a:r>
+          </a:p>
+          <a:p>
+            <a:pPr marL="171450" indent="-171450">
+              <a:buFont typeface="Arial" panose="020B0604020202020204" pitchFamily="34" charset="0"/>
+              <a:buChar char="•"/>
+            </a:pPr>
+            <a:r>
+              <a:rPr lang="en-US" sz="1200" dirty="0"/>
+              <a:t>Colored slides to help children navigate to the right places</a:t>
+            </a:r>
+          </a:p>
+          <a:p>
+            <a:pPr marL="171450" indent="-171450">
+              <a:buFont typeface="Arial" panose="020B0604020202020204" pitchFamily="34" charset="0"/>
+              <a:buChar char="•"/>
+            </a:pPr>
+            <a:r>
+              <a:rPr lang="en-US" sz="1200" dirty="0"/>
+              <a:t>Enlarged boundary boxes around shapes</a:t>
+            </a:r>
+          </a:p>
+          <a:p>
+            <a:pPr marL="171450" indent="-171450">
+              <a:buFont typeface="Arial" panose="020B0604020202020204" pitchFamily="34" charset="0"/>
+              <a:buChar char="•"/>
+            </a:pPr>
+            <a:endParaRPr lang="en-US" sz="1200" dirty="0"/>
+          </a:p>
+          <a:p>
+            <a:r>
+              <a:rPr lang="en-US" dirty="0"/>
+              <a:t>Preliminary Experimental Results</a:t>
+            </a:r>
+          </a:p>
+        </p:txBody>
+      </p:sp>
+      <p:sp>
+        <p:nvSpPr>
+          <p:cNvPr id="2" name="Rectangle 1">
+            <a:extLst>
+              <a:ext uri="{FF2B5EF4-FFF2-40B4-BE49-F238E27FC236}">
+                <a16:creationId xmlns:a16="http://schemas.microsoft.com/office/drawing/2014/main" id="{29D12493-E85B-40CD-A5E4-8E99D7118DD3}"/>
+              </a:ext>
+            </a:extLst>
+          </p:cNvPr>
+          <p:cNvSpPr/>
+          <p:nvPr/>
+        </p:nvSpPr>
+        <p:spPr>
+          <a:xfrm>
+            <a:off x="683287" y="2662813"/>
+            <a:ext cx="8621487" cy="1356528"/>
+          </a:xfrm>
+          <a:prstGeom prst="rect">
+            <a:avLst/>
+          </a:prstGeom>
+        </p:spPr>
+        <p:style>
+          <a:lnRef idx="2">
+            <a:schemeClr val="accent1">
+              <a:shade val="50000"/>
+            </a:schemeClr>
+          </a:lnRef>
+          <a:fillRef idx="1">
+            <a:schemeClr val="accent1"/>
+          </a:fillRef>
+          <a:effectRef idx="0">
+            <a:schemeClr val="accent1"/>
+          </a:effectRef>
+          <a:fontRef idx="minor">
+            <a:schemeClr val="lt1"/>
+          </a:fontRef>
+        </p:style>
+        <p:txBody>
+          <a:bodyPr rtlCol="0" anchor="ctr"/>
+          <a:lstStyle/>
+          <a:p>
+            <a:pPr algn="ctr"/>
+            <a:r>
+              <a:rPr lang="en-US" dirty="0"/>
+              <a:t>Image of repeating patterns here</a:t>
+            </a:r>
+          </a:p>
+        </p:txBody>
+      </p:sp>
+    </p:spTree>
+    <p:extLst>
+      <p:ext uri="{BB962C8B-B14F-4D97-AF65-F5344CB8AC3E}">
+        <p14:creationId xmlns:p14="http://schemas.microsoft.com/office/powerpoint/2010/main" val="2453242234"/>
+      </p:ext>
+    </p:extLst>
+  </p:cSld>
+  <p:clrMapOvr>
+    <a:masterClrMapping/>
+  </p:clrMapOvr>
+</p:sld>
+</file>
+
+<file path=ppt/slides/slide4.xml><?xml version="1.0" encoding="utf-8"?>
+<p:sld xmlns:a="http://schemas.openxmlformats.org/drawingml/2006/main" xmlns:r="http://schemas.openxmlformats.org/officeDocument/2006/relationships" xmlns:p="http://schemas.openxmlformats.org/presentationml/2006/main">
+  <p:cSld>
+    <p:spTree>
+      <p:nvGrpSpPr>
+        <p:cNvPr id="1" name=""/>
+        <p:cNvGrpSpPr/>
+        <p:nvPr/>
+      </p:nvGrpSpPr>
+      <p:grpSpPr>
+        <a:xfrm>
+          <a:off x="0" y="0"/>
+          <a:ext cx="0" cy="0"/>
+          <a:chOff x="0" y="0"/>
+          <a:chExt cx="0" cy="0"/>
+        </a:xfrm>
+      </p:grpSpPr>
+      <p:sp>
+        <p:nvSpPr>
+          <p:cNvPr id="3" name="Rectangle 2">
+            <a:extLst>
+              <a:ext uri="{FF2B5EF4-FFF2-40B4-BE49-F238E27FC236}">
+                <a16:creationId xmlns:a16="http://schemas.microsoft.com/office/drawing/2014/main" id="{55926680-6B49-46D3-83BC-D19A2B6EECDA}"/>
+              </a:ext>
+            </a:extLst>
+          </p:cNvPr>
+          <p:cNvSpPr>
+            <a:spLocks/>
+          </p:cNvSpPr>
+          <p:nvPr/>
+        </p:nvSpPr>
+        <p:spPr>
+          <a:xfrm>
+            <a:off x="468000" y="914400"/>
+            <a:ext cx="9122400" cy="6102000"/>
+          </a:xfrm>
+          <a:prstGeom prst="rect">
+            <a:avLst/>
+          </a:prstGeom>
+          <a:solidFill>
+            <a:schemeClr val="bg2"/>
+          </a:solidFill>
+          <a:ln>
+            <a:noFill/>
+          </a:ln>
+        </p:spPr>
+        <p:style>
+          <a:lnRef idx="2">
+            <a:schemeClr val="accent6"/>
+          </a:lnRef>
+          <a:fillRef idx="1">
+            <a:schemeClr val="lt1"/>
+          </a:fillRef>
+          <a:effectRef idx="0">
+            <a:schemeClr val="accent6"/>
+          </a:effectRef>
+          <a:fontRef idx="minor">
+            <a:schemeClr val="dk1"/>
+          </a:fontRef>
+        </p:style>
+        <p:txBody>
+          <a:bodyPr lIns="0" tIns="0" rIns="0" bIns="0" rtlCol="0" anchor="ctr"/>
+          <a:lstStyle/>
+          <a:p>
+            <a:pPr algn="ctr"/>
+            <a:endParaRPr lang="en-US" sz="1615">
+              <a:ln>
+                <a:solidFill>
+                  <a:sysClr val="windowText" lastClr="000000"/>
+                </a:solidFill>
+              </a:ln>
+              <a:solidFill>
+                <a:sysClr val="windowText" lastClr="000000"/>
+              </a:solidFill>
+            </a:endParaRPr>
+          </a:p>
+        </p:txBody>
+      </p:sp>
+      <p:sp>
+        <p:nvSpPr>
+          <p:cNvPr id="4" name="TextBox 3">
+            <a:extLst>
+              <a:ext uri="{FF2B5EF4-FFF2-40B4-BE49-F238E27FC236}">
+                <a16:creationId xmlns:a16="http://schemas.microsoft.com/office/drawing/2014/main" id="{D90A6F9B-765D-49F6-BC9D-37F491D27AC6}"/>
+              </a:ext>
+            </a:extLst>
+          </p:cNvPr>
+          <p:cNvSpPr txBox="1"/>
+          <p:nvPr/>
+        </p:nvSpPr>
+        <p:spPr>
+          <a:xfrm>
             <a:off x="683288" y="1145511"/>
-            <a:ext cx="8008536" cy="4985339"/>
+            <a:ext cx="8008536" cy="3508012"/>
           </a:xfrm>
           <a:prstGeom prst="rect">
             <a:avLst/>
@@ -4896,7 +5366,7 @@
           <a:p>
             <a:r>
               <a:rPr lang="en-US" dirty="0"/>
-              <a:t>Motivation</a:t>
+              <a:t>Wizard-of-Oz Interactions</a:t>
             </a:r>
           </a:p>
           <a:p>
@@ -4906,48 +5376,13 @@
             </a:pPr>
             <a:r>
               <a:rPr lang="en-US" sz="1200" dirty="0"/>
-              <a:t>Developmental research with children is increasingly trying to move online</a:t>
-            </a:r>
-          </a:p>
-          <a:p>
-            <a:pPr marL="171450" indent="-171450">
-              <a:buFont typeface="Arial" panose="020B0604020202020204" pitchFamily="34" charset="0"/>
-              <a:buChar char="•"/>
-            </a:pPr>
-            <a:r>
-              <a:rPr lang="en-US" sz="1200" dirty="0"/>
-              <a:t>Online research useful to get more heterogenous population</a:t>
-            </a:r>
-          </a:p>
-          <a:p>
-            <a:pPr marL="171450" indent="-171450">
-              <a:buFont typeface="Arial" panose="020B0604020202020204" pitchFamily="34" charset="0"/>
-              <a:buChar char="•"/>
-            </a:pPr>
-            <a:r>
-              <a:rPr lang="en-US" sz="1200" dirty="0"/>
-              <a:t>Designing interactive systems for research with children is challenging</a:t>
-            </a:r>
-          </a:p>
-          <a:p>
-            <a:pPr marL="171450" indent="-171450">
-              <a:buFont typeface="Arial" panose="020B0604020202020204" pitchFamily="34" charset="0"/>
-              <a:buChar char="•"/>
-            </a:pPr>
-            <a:r>
-              <a:rPr lang="en-US" sz="1200" dirty="0"/>
-              <a:t>How to design interactive tasks for children</a:t>
-            </a:r>
-          </a:p>
-          <a:p>
-            <a:pPr marL="171450" indent="-171450">
-              <a:buFont typeface="Arial" panose="020B0604020202020204" pitchFamily="34" charset="0"/>
-              <a:buChar char="•"/>
-            </a:pPr>
-            <a:r>
-              <a:rPr lang="en-US" sz="1200" dirty="0"/>
-              <a:t>Benefit of Wizard-of-Oz, synchronous communication with children while also getting their insights on the task, low-stakes development</a:t>
-            </a:r>
+              <a:t>Patterning done </a:t>
+            </a:r>
+            <a:r>
+              <a:rPr lang="en-US" sz="1200"/>
+              <a:t>by clicking on shapes </a:t>
+            </a:r>
+            <a:endParaRPr lang="en-US" sz="1200" dirty="0"/>
           </a:p>
           <a:p>
             <a:endParaRPr lang="en-US" dirty="0"/>
@@ -5069,7 +5504,7 @@
 </p:sld>
 </file>
 
-<file path=ppt/slides/slide4.xml><?xml version="1.0" encoding="utf-8"?>
+<file path=ppt/slides/slide5.xml><?xml version="1.0" encoding="utf-8"?>
 <p:sld xmlns:a="http://schemas.openxmlformats.org/drawingml/2006/main" xmlns:r="http://schemas.openxmlformats.org/officeDocument/2006/relationships" xmlns:p="http://schemas.openxmlformats.org/presentationml/2006/main">
   <p:cSld>
     <p:spTree>
@@ -6048,7 +6483,7 @@
 </p:sld>
 </file>
 
-<file path=ppt/slides/slide5.xml><?xml version="1.0" encoding="utf-8"?>
+<file path=ppt/slides/slide6.xml><?xml version="1.0" encoding="utf-8"?>
 <p:sld xmlns:a="http://schemas.openxmlformats.org/drawingml/2006/main" xmlns:r="http://schemas.openxmlformats.org/officeDocument/2006/relationships" xmlns:p="http://schemas.openxmlformats.org/presentationml/2006/main">
   <p:cSld>
     <p:spTree>
@@ -6469,7 +6904,7 @@
 </p:sld>
 </file>
 
-<file path=ppt/slides/slide6.xml><?xml version="1.0" encoding="utf-8"?>
+<file path=ppt/slides/slide7.xml><?xml version="1.0" encoding="utf-8"?>
 <p:sld xmlns:a="http://schemas.openxmlformats.org/drawingml/2006/main" xmlns:r="http://schemas.openxmlformats.org/officeDocument/2006/relationships" xmlns:p="http://schemas.openxmlformats.org/presentationml/2006/main">
   <p:cSld>
     <p:spTree>
@@ -6787,7 +7222,7 @@
 </p:sld>
 </file>
 
-<file path=ppt/slides/slide7.xml><?xml version="1.0" encoding="utf-8"?>
+<file path=ppt/slides/slide8.xml><?xml version="1.0" encoding="utf-8"?>
 <p:sld xmlns:a="http://schemas.openxmlformats.org/drawingml/2006/main" xmlns:r="http://schemas.openxmlformats.org/officeDocument/2006/relationships" xmlns:p="http://schemas.openxmlformats.org/presentationml/2006/main">
   <p:cSld>
     <p:spTree>
